--- a/SimPyKit.pptx
+++ b/SimPyKit.pptx
@@ -6,18 +6,21 @@
   </p:sldMasterIdLst>
   <p:sldIdLst>
     <p:sldId id="256" r:id="rId2"/>
-    <p:sldId id="257" r:id="rId3"/>
-    <p:sldId id="258" r:id="rId4"/>
-    <p:sldId id="259" r:id="rId5"/>
-    <p:sldId id="260" r:id="rId6"/>
-    <p:sldId id="261" r:id="rId7"/>
-    <p:sldId id="262" r:id="rId8"/>
-    <p:sldId id="263" r:id="rId9"/>
-    <p:sldId id="267" r:id="rId10"/>
-    <p:sldId id="268" r:id="rId11"/>
-    <p:sldId id="264" r:id="rId12"/>
-    <p:sldId id="265" r:id="rId13"/>
-    <p:sldId id="266" r:id="rId14"/>
+    <p:sldId id="270" r:id="rId3"/>
+    <p:sldId id="257" r:id="rId4"/>
+    <p:sldId id="258" r:id="rId5"/>
+    <p:sldId id="259" r:id="rId6"/>
+    <p:sldId id="260" r:id="rId7"/>
+    <p:sldId id="269" r:id="rId8"/>
+    <p:sldId id="261" r:id="rId9"/>
+    <p:sldId id="262" r:id="rId10"/>
+    <p:sldId id="263" r:id="rId11"/>
+    <p:sldId id="267" r:id="rId12"/>
+    <p:sldId id="268" r:id="rId13"/>
+    <p:sldId id="264" r:id="rId14"/>
+    <p:sldId id="265" r:id="rId15"/>
+    <p:sldId id="266" r:id="rId16"/>
+    <p:sldId id="271" r:id="rId17"/>
   </p:sldIdLst>
   <p:sldSz cx="9144000" cy="6858000" type="screen4x3"/>
   <p:notesSz cx="6858000" cy="9144000"/>
@@ -116,6 +119,11 @@
       </a:defRPr>
     </a:lvl9pPr>
   </p:defaultTextStyle>
+  <p:extLst>
+    <p:ext uri="{EFAFB233-063F-42B5-8137-9DF3F51BA10A}">
+      <p15:sldGuideLst xmlns:p15="http://schemas.microsoft.com/office/powerpoint/2012/main"/>
+    </p:ext>
+  </p:extLst>
 </p:presentation>
 </file>
 
@@ -250,7 +258,7 @@
           <a:p>
             <a:fld id="{0D18478E-C864-D145-8F74-5AF305D792CF}" type="datetimeFigureOut">
               <a:rPr lang="en-US" smtClean="0"/>
-              <a:t>7/9/18</a:t>
+              <a:t>7/10/18</a:t>
             </a:fld>
             <a:endParaRPr lang="en-US"/>
           </a:p>
@@ -420,7 +428,7 @@
           <a:p>
             <a:fld id="{0D18478E-C864-D145-8F74-5AF305D792CF}" type="datetimeFigureOut">
               <a:rPr lang="en-US" smtClean="0"/>
-              <a:t>7/9/18</a:t>
+              <a:t>7/10/18</a:t>
             </a:fld>
             <a:endParaRPr lang="en-US"/>
           </a:p>
@@ -600,7 +608,7 @@
           <a:p>
             <a:fld id="{0D18478E-C864-D145-8F74-5AF305D792CF}" type="datetimeFigureOut">
               <a:rPr lang="en-US" smtClean="0"/>
-              <a:t>7/9/18</a:t>
+              <a:t>7/10/18</a:t>
             </a:fld>
             <a:endParaRPr lang="en-US"/>
           </a:p>
@@ -770,7 +778,7 @@
           <a:p>
             <a:fld id="{0D18478E-C864-D145-8F74-5AF305D792CF}" type="datetimeFigureOut">
               <a:rPr lang="en-US" smtClean="0"/>
-              <a:t>7/9/18</a:t>
+              <a:t>7/10/18</a:t>
             </a:fld>
             <a:endParaRPr lang="en-US"/>
           </a:p>
@@ -1014,7 +1022,7 @@
           <a:p>
             <a:fld id="{0D18478E-C864-D145-8F74-5AF305D792CF}" type="datetimeFigureOut">
               <a:rPr lang="en-US" smtClean="0"/>
-              <a:t>7/9/18</a:t>
+              <a:t>7/10/18</a:t>
             </a:fld>
             <a:endParaRPr lang="en-US"/>
           </a:p>
@@ -1246,7 +1254,7 @@
           <a:p>
             <a:fld id="{0D18478E-C864-D145-8F74-5AF305D792CF}" type="datetimeFigureOut">
               <a:rPr lang="en-US" smtClean="0"/>
-              <a:t>7/9/18</a:t>
+              <a:t>7/10/18</a:t>
             </a:fld>
             <a:endParaRPr lang="en-US"/>
           </a:p>
@@ -1613,7 +1621,7 @@
           <a:p>
             <a:fld id="{0D18478E-C864-D145-8F74-5AF305D792CF}" type="datetimeFigureOut">
               <a:rPr lang="en-US" smtClean="0"/>
-              <a:t>7/9/18</a:t>
+              <a:t>7/10/18</a:t>
             </a:fld>
             <a:endParaRPr lang="en-US"/>
           </a:p>
@@ -1731,7 +1739,7 @@
           <a:p>
             <a:fld id="{0D18478E-C864-D145-8F74-5AF305D792CF}" type="datetimeFigureOut">
               <a:rPr lang="en-US" smtClean="0"/>
-              <a:t>7/9/18</a:t>
+              <a:t>7/10/18</a:t>
             </a:fld>
             <a:endParaRPr lang="en-US"/>
           </a:p>
@@ -1826,7 +1834,7 @@
           <a:p>
             <a:fld id="{0D18478E-C864-D145-8F74-5AF305D792CF}" type="datetimeFigureOut">
               <a:rPr lang="en-US" smtClean="0"/>
-              <a:t>7/9/18</a:t>
+              <a:t>7/10/18</a:t>
             </a:fld>
             <a:endParaRPr lang="en-US"/>
           </a:p>
@@ -2103,7 +2111,7 @@
           <a:p>
             <a:fld id="{0D18478E-C864-D145-8F74-5AF305D792CF}" type="datetimeFigureOut">
               <a:rPr lang="en-US" smtClean="0"/>
-              <a:t>7/9/18</a:t>
+              <a:t>7/10/18</a:t>
             </a:fld>
             <a:endParaRPr lang="en-US"/>
           </a:p>
@@ -2360,7 +2368,7 @@
           <a:p>
             <a:fld id="{0D18478E-C864-D145-8F74-5AF305D792CF}" type="datetimeFigureOut">
               <a:rPr lang="en-US" smtClean="0"/>
-              <a:t>7/9/18</a:t>
+              <a:t>7/10/18</a:t>
             </a:fld>
             <a:endParaRPr lang="en-US"/>
           </a:p>
@@ -2573,7 +2581,7 @@
           <a:p>
             <a:fld id="{0D18478E-C864-D145-8F74-5AF305D792CF}" type="datetimeFigureOut">
               <a:rPr lang="en-US" smtClean="0"/>
-              <a:t>7/9/18</a:t>
+              <a:t>7/10/18</a:t>
             </a:fld>
             <a:endParaRPr lang="en-US"/>
           </a:p>
@@ -3110,10 +3118,10 @@
       </p:grpSpPr>
       <p:sp>
         <p:nvSpPr>
-          <p:cNvPr id="3" name="Title 2">
+          <p:cNvPr id="2" name="Title 1">
             <a:extLst>
               <a:ext uri="{FF2B5EF4-FFF2-40B4-BE49-F238E27FC236}">
-                <a16:creationId xmlns:a16="http://schemas.microsoft.com/office/drawing/2014/main" id="{6B560413-3452-5945-A784-FF87A0F9F03A}"/>
+                <a16:creationId xmlns:a16="http://schemas.microsoft.com/office/drawing/2014/main" id="{C70693A1-B65A-5B4B-AF15-9F3A0B0C2B9B}"/>
               </a:ext>
             </a:extLst>
           </p:cNvPr>
@@ -3130,18 +3138,19 @@
           <a:lstStyle/>
           <a:p>
             <a:r>
-              <a:rPr lang="en-US" dirty="0"/>
-              <a:t>Statistics</a:t>
-            </a:r>
-          </a:p>
-        </p:txBody>
-      </p:sp>
-      <p:sp>
-        <p:nvSpPr>
-          <p:cNvPr id="4" name="Content Placeholder 3">
+              <a:rPr lang="en-US" dirty="0" err="1"/>
+              <a:t>SimPyKit</a:t>
+            </a:r>
+            <a:endParaRPr lang="en-US" dirty="0"/>
+          </a:p>
+        </p:txBody>
+      </p:sp>
+      <p:sp>
+        <p:nvSpPr>
+          <p:cNvPr id="3" name="Content Placeholder 2">
             <a:extLst>
               <a:ext uri="{FF2B5EF4-FFF2-40B4-BE49-F238E27FC236}">
-                <a16:creationId xmlns:a16="http://schemas.microsoft.com/office/drawing/2014/main" id="{BE0ABD07-8710-4944-A029-F591B6124A4A}"/>
+                <a16:creationId xmlns:a16="http://schemas.microsoft.com/office/drawing/2014/main" id="{0BF062AB-125E-EC4A-94AC-DD4C2B1DB590}"/>
               </a:ext>
             </a:extLst>
           </p:cNvPr>
@@ -3154,56 +3163,55 @@
         </p:nvSpPr>
         <p:spPr/>
         <p:txBody>
-          <a:bodyPr/>
-          <a:lstStyle/>
-          <a:p>
+          <a:bodyPr>
+            <a:normAutofit/>
+          </a:bodyPr>
+          <a:lstStyle/>
+          <a:p>
+            <a:r>
+              <a:rPr lang="en-US" dirty="0"/>
+              <a:t>Open Source, Apache 2.0 license</a:t>
+            </a:r>
+          </a:p>
+          <a:p>
+            <a:r>
+              <a:rPr lang="en-US" dirty="0"/>
+              <a:t>Source code available on </a:t>
+            </a:r>
             <a:r>
               <a:rPr lang="en-US" dirty="0" err="1"/>
-              <a:t>SimpleStatsBase</a:t>
-            </a:r>
-            <a:r>
-              <a:rPr lang="en-US" dirty="0"/>
-              <a:t> – base class</a:t>
-            </a:r>
-          </a:p>
-          <a:p>
+              <a:t>Github</a:t>
+            </a:r>
+            <a:endParaRPr lang="en-US" dirty="0"/>
+          </a:p>
+          <a:p>
+            <a:r>
+              <a:rPr lang="en-US" dirty="0"/>
+              <a:t>Binary distributions to be available on </a:t>
+            </a:r>
             <a:r>
               <a:rPr lang="en-US" dirty="0" err="1"/>
-              <a:t>SimpleStatsTally</a:t>
-            </a:r>
-            <a:r>
-              <a:rPr lang="en-US" dirty="0"/>
-              <a:t> – tally state variables</a:t>
-            </a:r>
-          </a:p>
-          <a:p>
+              <a:t>PyPi</a:t>
+            </a:r>
+            <a:endParaRPr lang="en-US" dirty="0"/>
+          </a:p>
+          <a:p>
+            <a:pPr lvl="1"/>
+            <a:r>
+              <a:rPr lang="en-US" dirty="0"/>
+              <a:t>Currently on </a:t>
+            </a:r>
             <a:r>
               <a:rPr lang="en-US" dirty="0" err="1"/>
-              <a:t>SimpleStatsTimeVarying</a:t>
-            </a:r>
-            <a:r>
-              <a:rPr lang="en-US" dirty="0"/>
-              <a:t> – time-varying states</a:t>
-            </a:r>
-          </a:p>
-          <a:p>
-            <a:r>
-              <a:rPr lang="en-US" dirty="0"/>
-              <a:t>Listens for </a:t>
-            </a:r>
-            <a:r>
-              <a:rPr lang="en-US" dirty="0" err="1"/>
-              <a:t>StateChange</a:t>
-            </a:r>
-            <a:r>
-              <a:rPr lang="en-US" dirty="0"/>
-              <a:t> event and updates counters</a:t>
-            </a:r>
-          </a:p>
-          <a:p>
-            <a:r>
-              <a:rPr lang="en-US" dirty="0"/>
-              <a:t>Can estimate confidence intervals</a:t>
+              <a:t>TestPyPI</a:t>
+            </a:r>
+            <a:endParaRPr lang="en-US" dirty="0"/>
+          </a:p>
+          <a:p>
+            <a:pPr lvl="1"/>
+            <a:r>
+              <a:rPr lang="en-US" dirty="0"/>
+              <a:t>Very small (binary distribution: 7KB)</a:t>
             </a:r>
           </a:p>
         </p:txBody>
@@ -3211,7 +3219,7 @@
     </p:spTree>
     <p:extLst>
       <p:ext uri="{BB962C8B-B14F-4D97-AF65-F5344CB8AC3E}">
-        <p14:creationId xmlns:p14="http://schemas.microsoft.com/office/powerpoint/2010/main" val="751504642"/>
+        <p14:creationId xmlns:p14="http://schemas.microsoft.com/office/powerpoint/2010/main" val="1963147416"/>
       </p:ext>
     </p:extLst>
   </p:cSld>
@@ -3243,7 +3251,7 @@
           <p:cNvPr id="2" name="Title 1">
             <a:extLst>
               <a:ext uri="{FF2B5EF4-FFF2-40B4-BE49-F238E27FC236}">
-                <a16:creationId xmlns:a16="http://schemas.microsoft.com/office/drawing/2014/main" id="{A2D6D5DB-88A7-7D44-BC13-AC55704B47CA}"/>
+                <a16:creationId xmlns:a16="http://schemas.microsoft.com/office/drawing/2014/main" id="{3ADDC40B-4611-C84D-83EF-F7A84F36B970}"/>
               </a:ext>
             </a:extLst>
           </p:cNvPr>
@@ -3261,129 +3269,45 @@
           <a:p>
             <a:r>
               <a:rPr lang="en-US" dirty="0"/>
-              <a:t>Mapping from Event Graph Elements</a:t>
-            </a:r>
-          </a:p>
-        </p:txBody>
-      </p:sp>
-      <p:sp>
-        <p:nvSpPr>
-          <p:cNvPr id="3" name="Content Placeholder 2">
+              <a:t>Structure</a:t>
+            </a:r>
+          </a:p>
+        </p:txBody>
+      </p:sp>
+      <p:pic>
+        <p:nvPicPr>
+          <p:cNvPr id="4" name="Picture 3">
             <a:extLst>
               <a:ext uri="{FF2B5EF4-FFF2-40B4-BE49-F238E27FC236}">
-                <a16:creationId xmlns:a16="http://schemas.microsoft.com/office/drawing/2014/main" id="{9EF7E2FF-C7CD-134D-A7E7-9E0C2697B9E4}"/>
+                <a16:creationId xmlns:a16="http://schemas.microsoft.com/office/drawing/2014/main" id="{1FAEE10C-C6E1-3543-81A8-236BA6B419E7}"/>
               </a:ext>
             </a:extLst>
           </p:cNvPr>
-          <p:cNvSpPr>
-            <a:spLocks noGrp="1"/>
-          </p:cNvSpPr>
-          <p:nvPr>
-            <p:ph idx="1"/>
-          </p:nvPr>
-        </p:nvSpPr>
-        <p:spPr/>
-        <p:txBody>
-          <a:bodyPr>
-            <a:normAutofit lnSpcReduction="10000"/>
-          </a:bodyPr>
-          <a:lstStyle/>
-          <a:p>
-            <a:r>
-              <a:rPr lang="en-US" dirty="0"/>
-              <a:t>Event Graph Component → Subclass of </a:t>
-            </a:r>
-            <a:r>
-              <a:rPr lang="en-US" dirty="0" err="1"/>
-              <a:t>SimEntityBase</a:t>
-            </a:r>
-            <a:endParaRPr lang="en-US" dirty="0"/>
-          </a:p>
-          <a:p>
-            <a:r>
-              <a:rPr lang="en-US" dirty="0"/>
-              <a:t>Parameter → argument to constructor (__</a:t>
-            </a:r>
-            <a:r>
-              <a:rPr lang="en-US" dirty="0" err="1"/>
-              <a:t>init</a:t>
-            </a:r>
-            <a:r>
-              <a:rPr lang="en-US" dirty="0"/>
-              <a:t>()__)</a:t>
-            </a:r>
-          </a:p>
-          <a:p>
-            <a:r>
-              <a:rPr lang="en-US" dirty="0"/>
-              <a:t>State variable → attribute</a:t>
-            </a:r>
-          </a:p>
-          <a:p>
-            <a:r>
-              <a:rPr lang="en-US" dirty="0"/>
-              <a:t>Event → ‘do’ method</a:t>
-            </a:r>
-          </a:p>
-          <a:p>
-            <a:r>
-              <a:rPr lang="en-US" dirty="0"/>
-              <a:t>Event List → </a:t>
-            </a:r>
-            <a:r>
-              <a:rPr lang="en-US" dirty="0" err="1"/>
-              <a:t>EventList</a:t>
-            </a:r>
-            <a:r>
-              <a:rPr lang="en-US" dirty="0"/>
-              <a:t> class</a:t>
-            </a:r>
-          </a:p>
-          <a:p>
-            <a:r>
-              <a:rPr lang="en-US" dirty="0"/>
-              <a:t>Run Event → reset() + </a:t>
-            </a:r>
-            <a:r>
-              <a:rPr lang="en-US" dirty="0" err="1"/>
-              <a:t>doRun</a:t>
-            </a:r>
-            <a:r>
-              <a:rPr lang="en-US" dirty="0"/>
-              <a:t>() methods</a:t>
-            </a:r>
-          </a:p>
-          <a:p>
-            <a:r>
-              <a:rPr lang="en-US" dirty="0"/>
-              <a:t>reset() method</a:t>
-            </a:r>
-          </a:p>
-          <a:p>
-            <a:pPr lvl="1"/>
-            <a:r>
-              <a:rPr lang="en-US" dirty="0"/>
-              <a:t>initializes all states</a:t>
-            </a:r>
-          </a:p>
-          <a:p>
-            <a:pPr lvl="1"/>
-            <a:r>
-              <a:rPr lang="en-US" dirty="0"/>
-              <a:t>Called from </a:t>
-            </a:r>
-            <a:r>
-              <a:rPr lang="en-US" dirty="0" err="1"/>
-              <a:t>EventList</a:t>
-            </a:r>
-            <a:endParaRPr lang="en-US" dirty="0"/>
-          </a:p>
-        </p:txBody>
-      </p:sp>
+          <p:cNvPicPr>
+            <a:picLocks noChangeAspect="1"/>
+          </p:cNvPicPr>
+          <p:nvPr/>
+        </p:nvPicPr>
+        <p:blipFill>
+          <a:blip r:embed="rId2"/>
+          <a:stretch>
+            <a:fillRect/>
+          </a:stretch>
+        </p:blipFill>
+        <p:spPr>
+          <a:xfrm>
+            <a:off x="3004820" y="1825625"/>
+            <a:ext cx="3898900" cy="3797300"/>
+          </a:xfrm>
+          <a:prstGeom prst="rect">
+            <a:avLst/>
+          </a:prstGeom>
+        </p:spPr>
+      </p:pic>
     </p:spTree>
     <p:extLst>
       <p:ext uri="{BB962C8B-B14F-4D97-AF65-F5344CB8AC3E}">
-        <p14:creationId xmlns:p14="http://schemas.microsoft.com/office/powerpoint/2010/main" val="1494196599"/>
+        <p14:creationId xmlns:p14="http://schemas.microsoft.com/office/powerpoint/2010/main" val="2334948678"/>
       </p:ext>
     </p:extLst>
   </p:cSld>
@@ -3412,10 +3336,10 @@
       </p:grpSpPr>
       <p:sp>
         <p:nvSpPr>
-          <p:cNvPr id="2" name="Title 1">
+          <p:cNvPr id="3" name="Title 2">
             <a:extLst>
               <a:ext uri="{FF2B5EF4-FFF2-40B4-BE49-F238E27FC236}">
-                <a16:creationId xmlns:a16="http://schemas.microsoft.com/office/drawing/2014/main" id="{B64175B8-192D-044E-B520-EFA10FD5D26A}"/>
+                <a16:creationId xmlns:a16="http://schemas.microsoft.com/office/drawing/2014/main" id="{6B560413-3452-5945-A784-FF87A0F9F03A}"/>
               </a:ext>
             </a:extLst>
           </p:cNvPr>
@@ -3433,25 +3357,17 @@
           <a:p>
             <a:r>
               <a:rPr lang="en-US" dirty="0"/>
-              <a:t>Mapping (</a:t>
-            </a:r>
-            <a:r>
-              <a:rPr lang="en-US" dirty="0" err="1"/>
-              <a:t>cont</a:t>
-            </a:r>
-            <a:r>
-              <a:rPr lang="en-US" dirty="0"/>
-              <a:t>)</a:t>
-            </a:r>
-          </a:p>
-        </p:txBody>
-      </p:sp>
-      <p:sp>
-        <p:nvSpPr>
-          <p:cNvPr id="3" name="Content Placeholder 2">
+              <a:t>Statistics</a:t>
+            </a:r>
+          </a:p>
+        </p:txBody>
+      </p:sp>
+      <p:sp>
+        <p:nvSpPr>
+          <p:cNvPr id="4" name="Content Placeholder 3">
             <a:extLst>
               <a:ext uri="{FF2B5EF4-FFF2-40B4-BE49-F238E27FC236}">
-                <a16:creationId xmlns:a16="http://schemas.microsoft.com/office/drawing/2014/main" id="{DB97C2F2-C88C-5643-8270-F1438E785220}"/>
+                <a16:creationId xmlns:a16="http://schemas.microsoft.com/office/drawing/2014/main" id="{BE0ABD07-8710-4944-A029-F591B6124A4A}"/>
               </a:ext>
             </a:extLst>
           </p:cNvPr>
@@ -3469,63 +3385,59 @@
           <a:p>
             <a:r>
               <a:rPr lang="en-US" dirty="0" err="1"/>
-              <a:t>doRun</a:t>
-            </a:r>
-            <a:r>
-              <a:rPr lang="en-US" dirty="0"/>
-              <a:t>() method</a:t>
-            </a:r>
-          </a:p>
-          <a:p>
-            <a:pPr lvl="1"/>
-            <a:r>
-              <a:rPr lang="en-US" dirty="0"/>
-              <a:t>Notifies initial state</a:t>
-            </a:r>
-          </a:p>
-          <a:p>
-            <a:pPr lvl="1"/>
-            <a:r>
-              <a:rPr lang="en-US" dirty="0"/>
-              <a:t>Schedules initial events (if necessary)</a:t>
+              <a:t>SimpleStatsBase</a:t>
+            </a:r>
+            <a:r>
+              <a:rPr lang="en-US" dirty="0"/>
+              <a:t> – base class</a:t>
             </a:r>
           </a:p>
           <a:p>
             <a:r>
               <a:rPr lang="en-US" dirty="0" err="1"/>
-              <a:t>EventList</a:t>
-            </a:r>
-            <a:endParaRPr lang="en-US" dirty="0"/>
-          </a:p>
-          <a:p>
-            <a:pPr lvl="1"/>
-            <a:r>
-              <a:rPr lang="en-US" dirty="0"/>
-              <a:t>verbose mode dumps Event List after each event</a:t>
-            </a:r>
-          </a:p>
-          <a:p>
-            <a:pPr lvl="1"/>
+              <a:t>SimpleStatsTally</a:t>
+            </a:r>
+            <a:r>
+              <a:rPr lang="en-US" dirty="0"/>
+              <a:t> – tally state variables</a:t>
+            </a:r>
+          </a:p>
+          <a:p>
             <a:r>
               <a:rPr lang="en-US" dirty="0" err="1"/>
-              <a:t>stopAtTime</a:t>
-            </a:r>
-            <a:r>
-              <a:rPr lang="en-US" dirty="0"/>
-              <a:t> or </a:t>
+              <a:t>SimpleStatsTimeVarying</a:t>
+            </a:r>
+            <a:r>
+              <a:rPr lang="en-US" dirty="0"/>
+              <a:t> – time-varying states</a:t>
+            </a:r>
+          </a:p>
+          <a:p>
+            <a:r>
+              <a:rPr lang="en-US" dirty="0"/>
+              <a:t>Listens for </a:t>
             </a:r>
             <a:r>
               <a:rPr lang="en-US" dirty="0" err="1"/>
-              <a:t>StopOnEvent</a:t>
-            </a:r>
-            <a:endParaRPr lang="en-US" dirty="0"/>
+              <a:t>StateChange</a:t>
+            </a:r>
+            <a:r>
+              <a:rPr lang="en-US" dirty="0"/>
+              <a:t> event and updates counters</a:t>
+            </a:r>
+          </a:p>
+          <a:p>
+            <a:r>
+              <a:rPr lang="en-US" dirty="0"/>
+              <a:t>Can estimate confidence intervals</a:t>
+            </a:r>
           </a:p>
         </p:txBody>
       </p:sp>
     </p:spTree>
     <p:extLst>
       <p:ext uri="{BB962C8B-B14F-4D97-AF65-F5344CB8AC3E}">
-        <p14:creationId xmlns:p14="http://schemas.microsoft.com/office/powerpoint/2010/main" val="438626890"/>
+        <p14:creationId xmlns:p14="http://schemas.microsoft.com/office/powerpoint/2010/main" val="751504642"/>
       </p:ext>
     </p:extLst>
   </p:cSld>
@@ -3557,6 +3469,320 @@
           <p:cNvPr id="2" name="Title 1">
             <a:extLst>
               <a:ext uri="{FF2B5EF4-FFF2-40B4-BE49-F238E27FC236}">
+                <a16:creationId xmlns:a16="http://schemas.microsoft.com/office/drawing/2014/main" id="{A2D6D5DB-88A7-7D44-BC13-AC55704B47CA}"/>
+              </a:ext>
+            </a:extLst>
+          </p:cNvPr>
+          <p:cNvSpPr>
+            <a:spLocks noGrp="1"/>
+          </p:cNvSpPr>
+          <p:nvPr>
+            <p:ph type="title"/>
+          </p:nvPr>
+        </p:nvSpPr>
+        <p:spPr/>
+        <p:txBody>
+          <a:bodyPr/>
+          <a:lstStyle/>
+          <a:p>
+            <a:r>
+              <a:rPr lang="en-US" dirty="0"/>
+              <a:t>Mapping from Event Graph Elements</a:t>
+            </a:r>
+          </a:p>
+        </p:txBody>
+      </p:sp>
+      <p:sp>
+        <p:nvSpPr>
+          <p:cNvPr id="3" name="Content Placeholder 2">
+            <a:extLst>
+              <a:ext uri="{FF2B5EF4-FFF2-40B4-BE49-F238E27FC236}">
+                <a16:creationId xmlns:a16="http://schemas.microsoft.com/office/drawing/2014/main" id="{9EF7E2FF-C7CD-134D-A7E7-9E0C2697B9E4}"/>
+              </a:ext>
+            </a:extLst>
+          </p:cNvPr>
+          <p:cNvSpPr>
+            <a:spLocks noGrp="1"/>
+          </p:cNvSpPr>
+          <p:nvPr>
+            <p:ph idx="1"/>
+          </p:nvPr>
+        </p:nvSpPr>
+        <p:spPr/>
+        <p:txBody>
+          <a:bodyPr>
+            <a:normAutofit lnSpcReduction="10000"/>
+          </a:bodyPr>
+          <a:lstStyle/>
+          <a:p>
+            <a:r>
+              <a:rPr lang="en-US" dirty="0"/>
+              <a:t>Event Graph Component → Subclass of </a:t>
+            </a:r>
+            <a:r>
+              <a:rPr lang="en-US" dirty="0" err="1"/>
+              <a:t>SimEntityBase</a:t>
+            </a:r>
+            <a:endParaRPr lang="en-US" dirty="0"/>
+          </a:p>
+          <a:p>
+            <a:r>
+              <a:rPr lang="en-US" dirty="0"/>
+              <a:t>Parameter → argument to constructor (__</a:t>
+            </a:r>
+            <a:r>
+              <a:rPr lang="en-US" dirty="0" err="1"/>
+              <a:t>init</a:t>
+            </a:r>
+            <a:r>
+              <a:rPr lang="en-US" dirty="0"/>
+              <a:t>()__)</a:t>
+            </a:r>
+          </a:p>
+          <a:p>
+            <a:r>
+              <a:rPr lang="en-US" dirty="0"/>
+              <a:t>State variable → attribute</a:t>
+            </a:r>
+          </a:p>
+          <a:p>
+            <a:r>
+              <a:rPr lang="en-US" dirty="0"/>
+              <a:t>Event → ‘do’ method</a:t>
+            </a:r>
+          </a:p>
+          <a:p>
+            <a:r>
+              <a:rPr lang="en-US" dirty="0"/>
+              <a:t>Event List → </a:t>
+            </a:r>
+            <a:r>
+              <a:rPr lang="en-US" dirty="0" err="1"/>
+              <a:t>EventList</a:t>
+            </a:r>
+            <a:r>
+              <a:rPr lang="en-US" dirty="0"/>
+              <a:t> class</a:t>
+            </a:r>
+          </a:p>
+          <a:p>
+            <a:r>
+              <a:rPr lang="en-US" dirty="0"/>
+              <a:t>Run Event → reset() + </a:t>
+            </a:r>
+            <a:r>
+              <a:rPr lang="en-US" dirty="0" err="1"/>
+              <a:t>doRun</a:t>
+            </a:r>
+            <a:r>
+              <a:rPr lang="en-US" dirty="0"/>
+              <a:t>() methods</a:t>
+            </a:r>
+          </a:p>
+          <a:p>
+            <a:r>
+              <a:rPr lang="en-US" dirty="0"/>
+              <a:t>reset() method</a:t>
+            </a:r>
+          </a:p>
+          <a:p>
+            <a:pPr lvl="1"/>
+            <a:r>
+              <a:rPr lang="en-US" dirty="0"/>
+              <a:t>initializes all states</a:t>
+            </a:r>
+          </a:p>
+          <a:p>
+            <a:pPr lvl="1"/>
+            <a:r>
+              <a:rPr lang="en-US" dirty="0"/>
+              <a:t>Called from </a:t>
+            </a:r>
+            <a:r>
+              <a:rPr lang="en-US" dirty="0" err="1"/>
+              <a:t>EventList</a:t>
+            </a:r>
+            <a:endParaRPr lang="en-US" dirty="0"/>
+          </a:p>
+        </p:txBody>
+      </p:sp>
+    </p:spTree>
+    <p:extLst>
+      <p:ext uri="{BB962C8B-B14F-4D97-AF65-F5344CB8AC3E}">
+        <p14:creationId xmlns:p14="http://schemas.microsoft.com/office/powerpoint/2010/main" val="1494196599"/>
+      </p:ext>
+    </p:extLst>
+  </p:cSld>
+  <p:clrMapOvr>
+    <a:masterClrMapping/>
+  </p:clrMapOvr>
+</p:sld>
+</file>
+
+<file path=ppt/slides/slide14.xml><?xml version="1.0" encoding="utf-8"?>
+<p:sld xmlns:a="http://schemas.openxmlformats.org/drawingml/2006/main" xmlns:r="http://schemas.openxmlformats.org/officeDocument/2006/relationships" xmlns:p="http://schemas.openxmlformats.org/presentationml/2006/main">
+  <p:cSld>
+    <p:spTree>
+      <p:nvGrpSpPr>
+        <p:cNvPr id="1" name=""/>
+        <p:cNvGrpSpPr/>
+        <p:nvPr/>
+      </p:nvGrpSpPr>
+      <p:grpSpPr>
+        <a:xfrm>
+          <a:off x="0" y="0"/>
+          <a:ext cx="0" cy="0"/>
+          <a:chOff x="0" y="0"/>
+          <a:chExt cx="0" cy="0"/>
+        </a:xfrm>
+      </p:grpSpPr>
+      <p:sp>
+        <p:nvSpPr>
+          <p:cNvPr id="2" name="Title 1">
+            <a:extLst>
+              <a:ext uri="{FF2B5EF4-FFF2-40B4-BE49-F238E27FC236}">
+                <a16:creationId xmlns:a16="http://schemas.microsoft.com/office/drawing/2014/main" id="{B64175B8-192D-044E-B520-EFA10FD5D26A}"/>
+              </a:ext>
+            </a:extLst>
+          </p:cNvPr>
+          <p:cNvSpPr>
+            <a:spLocks noGrp="1"/>
+          </p:cNvSpPr>
+          <p:nvPr>
+            <p:ph type="title"/>
+          </p:nvPr>
+        </p:nvSpPr>
+        <p:spPr/>
+        <p:txBody>
+          <a:bodyPr/>
+          <a:lstStyle/>
+          <a:p>
+            <a:r>
+              <a:rPr lang="en-US" dirty="0"/>
+              <a:t>Mapping (</a:t>
+            </a:r>
+            <a:r>
+              <a:rPr lang="en-US" dirty="0" err="1"/>
+              <a:t>cont</a:t>
+            </a:r>
+            <a:r>
+              <a:rPr lang="en-US" dirty="0"/>
+              <a:t>)</a:t>
+            </a:r>
+          </a:p>
+        </p:txBody>
+      </p:sp>
+      <p:sp>
+        <p:nvSpPr>
+          <p:cNvPr id="3" name="Content Placeholder 2">
+            <a:extLst>
+              <a:ext uri="{FF2B5EF4-FFF2-40B4-BE49-F238E27FC236}">
+                <a16:creationId xmlns:a16="http://schemas.microsoft.com/office/drawing/2014/main" id="{DB97C2F2-C88C-5643-8270-F1438E785220}"/>
+              </a:ext>
+            </a:extLst>
+          </p:cNvPr>
+          <p:cNvSpPr>
+            <a:spLocks noGrp="1"/>
+          </p:cNvSpPr>
+          <p:nvPr>
+            <p:ph idx="1"/>
+          </p:nvPr>
+        </p:nvSpPr>
+        <p:spPr/>
+        <p:txBody>
+          <a:bodyPr/>
+          <a:lstStyle/>
+          <a:p>
+            <a:r>
+              <a:rPr lang="en-US" dirty="0" err="1"/>
+              <a:t>doRun</a:t>
+            </a:r>
+            <a:r>
+              <a:rPr lang="en-US" dirty="0"/>
+              <a:t>() method</a:t>
+            </a:r>
+          </a:p>
+          <a:p>
+            <a:pPr lvl="1"/>
+            <a:r>
+              <a:rPr lang="en-US" dirty="0"/>
+              <a:t>Notifies initial state</a:t>
+            </a:r>
+          </a:p>
+          <a:p>
+            <a:pPr lvl="1"/>
+            <a:r>
+              <a:rPr lang="en-US" dirty="0"/>
+              <a:t>Schedules initial events (if necessary)</a:t>
+            </a:r>
+          </a:p>
+          <a:p>
+            <a:r>
+              <a:rPr lang="en-US" dirty="0" err="1"/>
+              <a:t>EventList</a:t>
+            </a:r>
+            <a:endParaRPr lang="en-US" dirty="0"/>
+          </a:p>
+          <a:p>
+            <a:pPr lvl="1"/>
+            <a:r>
+              <a:rPr lang="en-US" dirty="0"/>
+              <a:t>verbose mode dumps Event List after each event</a:t>
+            </a:r>
+          </a:p>
+          <a:p>
+            <a:pPr lvl="1"/>
+            <a:r>
+              <a:rPr lang="en-US" dirty="0" err="1"/>
+              <a:t>stopAtTime</a:t>
+            </a:r>
+            <a:r>
+              <a:rPr lang="en-US" dirty="0"/>
+              <a:t> or </a:t>
+            </a:r>
+            <a:r>
+              <a:rPr lang="en-US" dirty="0" err="1"/>
+              <a:t>StopOnEvent</a:t>
+            </a:r>
+            <a:endParaRPr lang="en-US" dirty="0"/>
+          </a:p>
+        </p:txBody>
+      </p:sp>
+    </p:spTree>
+    <p:extLst>
+      <p:ext uri="{BB962C8B-B14F-4D97-AF65-F5344CB8AC3E}">
+        <p14:creationId xmlns:p14="http://schemas.microsoft.com/office/powerpoint/2010/main" val="438626890"/>
+      </p:ext>
+    </p:extLst>
+  </p:cSld>
+  <p:clrMapOvr>
+    <a:masterClrMapping/>
+  </p:clrMapOvr>
+</p:sld>
+</file>
+
+<file path=ppt/slides/slide15.xml><?xml version="1.0" encoding="utf-8"?>
+<p:sld xmlns:a="http://schemas.openxmlformats.org/drawingml/2006/main" xmlns:r="http://schemas.openxmlformats.org/officeDocument/2006/relationships" xmlns:p="http://schemas.openxmlformats.org/presentationml/2006/main">
+  <p:cSld>
+    <p:spTree>
+      <p:nvGrpSpPr>
+        <p:cNvPr id="1" name=""/>
+        <p:cNvGrpSpPr/>
+        <p:nvPr/>
+      </p:nvGrpSpPr>
+      <p:grpSpPr>
+        <a:xfrm>
+          <a:off x="0" y="0"/>
+          <a:ext cx="0" cy="0"/>
+          <a:chOff x="0" y="0"/>
+          <a:chExt cx="0" cy="0"/>
+        </a:xfrm>
+      </p:grpSpPr>
+      <p:sp>
+        <p:nvSpPr>
+          <p:cNvPr id="2" name="Title 1">
+            <a:extLst>
+              <a:ext uri="{FF2B5EF4-FFF2-40B4-BE49-F238E27FC236}">
                 <a16:creationId xmlns:a16="http://schemas.microsoft.com/office/drawing/2014/main" id="{B930BF35-BB57-724C-B3E1-A0F76DAD5EB7}"/>
               </a:ext>
             </a:extLst>
@@ -3665,6 +3891,146 @@
     <p:extLst>
       <p:ext uri="{BB962C8B-B14F-4D97-AF65-F5344CB8AC3E}">
         <p14:creationId xmlns:p14="http://schemas.microsoft.com/office/powerpoint/2010/main" val="1385065353"/>
+      </p:ext>
+    </p:extLst>
+  </p:cSld>
+  <p:clrMapOvr>
+    <a:masterClrMapping/>
+  </p:clrMapOvr>
+</p:sld>
+</file>
+
+<file path=ppt/slides/slide16.xml><?xml version="1.0" encoding="utf-8"?>
+<p:sld xmlns:a="http://schemas.openxmlformats.org/drawingml/2006/main" xmlns:r="http://schemas.openxmlformats.org/officeDocument/2006/relationships" xmlns:p="http://schemas.openxmlformats.org/presentationml/2006/main">
+  <p:cSld>
+    <p:spTree>
+      <p:nvGrpSpPr>
+        <p:cNvPr id="1" name=""/>
+        <p:cNvGrpSpPr/>
+        <p:nvPr/>
+      </p:nvGrpSpPr>
+      <p:grpSpPr>
+        <a:xfrm>
+          <a:off x="0" y="0"/>
+          <a:ext cx="0" cy="0"/>
+          <a:chOff x="0" y="0"/>
+          <a:chExt cx="0" cy="0"/>
+        </a:xfrm>
+      </p:grpSpPr>
+      <p:sp>
+        <p:nvSpPr>
+          <p:cNvPr id="4" name="TextBox 3">
+            <a:extLst>
+              <a:ext uri="{FF2B5EF4-FFF2-40B4-BE49-F238E27FC236}">
+                <a16:creationId xmlns:a16="http://schemas.microsoft.com/office/drawing/2014/main" id="{E699EB1F-3C19-D147-9BE4-7650B5C8F1FF}"/>
+              </a:ext>
+            </a:extLst>
+          </p:cNvPr>
+          <p:cNvSpPr txBox="1"/>
+          <p:nvPr/>
+        </p:nvSpPr>
+        <p:spPr>
+          <a:xfrm>
+            <a:off x="3409244" y="2596444"/>
+            <a:ext cx="184731" cy="369332"/>
+          </a:xfrm>
+          <a:prstGeom prst="rect">
+            <a:avLst/>
+          </a:prstGeom>
+          <a:noFill/>
+        </p:spPr>
+        <p:txBody>
+          <a:bodyPr wrap="none" rtlCol="0">
+            <a:spAutoFit/>
+          </a:bodyPr>
+          <a:lstStyle/>
+          <a:p>
+            <a:endParaRPr lang="en-US" dirty="0"/>
+          </a:p>
+        </p:txBody>
+      </p:sp>
+      <p:sp>
+        <p:nvSpPr>
+          <p:cNvPr id="5" name="Title 4">
+            <a:extLst>
+              <a:ext uri="{FF2B5EF4-FFF2-40B4-BE49-F238E27FC236}">
+                <a16:creationId xmlns:a16="http://schemas.microsoft.com/office/drawing/2014/main" id="{099DEF0B-AE52-2542-A786-73A99074C32C}"/>
+              </a:ext>
+            </a:extLst>
+          </p:cNvPr>
+          <p:cNvSpPr>
+            <a:spLocks noGrp="1"/>
+          </p:cNvSpPr>
+          <p:nvPr>
+            <p:ph type="title"/>
+          </p:nvPr>
+        </p:nvSpPr>
+        <p:spPr/>
+        <p:txBody>
+          <a:bodyPr/>
+          <a:lstStyle/>
+          <a:p>
+            <a:r>
+              <a:rPr lang="en-US" dirty="0"/>
+              <a:t>Questions</a:t>
+            </a:r>
+          </a:p>
+        </p:txBody>
+      </p:sp>
+      <p:sp>
+        <p:nvSpPr>
+          <p:cNvPr id="6" name="Content Placeholder 5">
+            <a:extLst>
+              <a:ext uri="{FF2B5EF4-FFF2-40B4-BE49-F238E27FC236}">
+                <a16:creationId xmlns:a16="http://schemas.microsoft.com/office/drawing/2014/main" id="{C68F39E8-8E29-EC4E-8C5D-D30462589BFF}"/>
+              </a:ext>
+            </a:extLst>
+          </p:cNvPr>
+          <p:cNvSpPr>
+            <a:spLocks noGrp="1"/>
+          </p:cNvSpPr>
+          <p:nvPr>
+            <p:ph idx="1"/>
+          </p:nvPr>
+        </p:nvSpPr>
+        <p:spPr/>
+        <p:txBody>
+          <a:bodyPr/>
+          <a:lstStyle/>
+          <a:p>
+            <a:r>
+              <a:rPr lang="en-US" dirty="0"/>
+              <a:t>Is this useable for OR students?</a:t>
+            </a:r>
+          </a:p>
+          <a:p>
+            <a:r>
+              <a:rPr lang="en-US" dirty="0"/>
+              <a:t>Does this add value to OA3302?</a:t>
+            </a:r>
+          </a:p>
+          <a:p>
+            <a:r>
+              <a:rPr lang="en-US" dirty="0"/>
+              <a:t>What changes would facilitate its use?</a:t>
+            </a:r>
+          </a:p>
+          <a:p>
+            <a:r>
+              <a:rPr lang="en-US" dirty="0"/>
+              <a:t>What additional features would </a:t>
+            </a:r>
+            <a:r>
+              <a:rPr lang="en-US"/>
+              <a:t>be desirable?</a:t>
+            </a:r>
+          </a:p>
+        </p:txBody>
+      </p:sp>
+    </p:spTree>
+    <p:extLst>
+      <p:ext uri="{BB962C8B-B14F-4D97-AF65-F5344CB8AC3E}">
+        <p14:creationId xmlns:p14="http://schemas.microsoft.com/office/powerpoint/2010/main" val="3636576177"/>
       </p:ext>
     </p:extLst>
   </p:cSld>
@@ -3696,6 +4062,138 @@
           <p:cNvPr id="2" name="Title 1">
             <a:extLst>
               <a:ext uri="{FF2B5EF4-FFF2-40B4-BE49-F238E27FC236}">
+                <a16:creationId xmlns:a16="http://schemas.microsoft.com/office/drawing/2014/main" id="{E874AEEE-0BD3-BF49-B5ED-EA5F004B7765}"/>
+              </a:ext>
+            </a:extLst>
+          </p:cNvPr>
+          <p:cNvSpPr>
+            <a:spLocks noGrp="1"/>
+          </p:cNvSpPr>
+          <p:nvPr>
+            <p:ph type="title"/>
+          </p:nvPr>
+        </p:nvSpPr>
+        <p:spPr/>
+        <p:txBody>
+          <a:bodyPr/>
+          <a:lstStyle/>
+          <a:p>
+            <a:r>
+              <a:rPr lang="en-US" dirty="0"/>
+              <a:t>BLUF: </a:t>
+            </a:r>
+            <a:r>
+              <a:rPr lang="en-US" dirty="0" err="1"/>
+              <a:t>SimPyKit</a:t>
+            </a:r>
+            <a:r>
+              <a:rPr lang="en-US" dirty="0"/>
+              <a:t> Objectives</a:t>
+            </a:r>
+          </a:p>
+        </p:txBody>
+      </p:sp>
+      <p:sp>
+        <p:nvSpPr>
+          <p:cNvPr id="3" name="Content Placeholder 2">
+            <a:extLst>
+              <a:ext uri="{FF2B5EF4-FFF2-40B4-BE49-F238E27FC236}">
+                <a16:creationId xmlns:a16="http://schemas.microsoft.com/office/drawing/2014/main" id="{6B41C3DF-BC8A-7A47-A1B4-6B95C66C0979}"/>
+              </a:ext>
+            </a:extLst>
+          </p:cNvPr>
+          <p:cNvSpPr>
+            <a:spLocks noGrp="1"/>
+          </p:cNvSpPr>
+          <p:nvPr>
+            <p:ph idx="1"/>
+          </p:nvPr>
+        </p:nvSpPr>
+        <p:spPr/>
+        <p:txBody>
+          <a:bodyPr>
+            <a:normAutofit lnSpcReduction="10000"/>
+          </a:bodyPr>
+          <a:lstStyle/>
+          <a:p>
+            <a:r>
+              <a:rPr lang="en-US" dirty="0"/>
+              <a:t>Implement Event Graph models</a:t>
+            </a:r>
+          </a:p>
+          <a:p>
+            <a:r>
+              <a:rPr lang="en-US" dirty="0"/>
+              <a:t>Implement component-based approach to DES modeling</a:t>
+            </a:r>
+          </a:p>
+          <a:p>
+            <a:r>
+              <a:rPr lang="en-US" dirty="0"/>
+              <a:t>Reinforce Python programming</a:t>
+            </a:r>
+          </a:p>
+          <a:p>
+            <a:r>
+              <a:rPr lang="en-US" dirty="0"/>
+              <a:t>Reinforce/learn object oriented approach</a:t>
+            </a:r>
+          </a:p>
+          <a:p>
+            <a:r>
+              <a:rPr lang="en-US" dirty="0"/>
+              <a:t>Both teaching and ’production’ tool</a:t>
+            </a:r>
+          </a:p>
+          <a:p>
+            <a:r>
+              <a:rPr lang="en-US" dirty="0"/>
+              <a:t>Open Source means freely available post-NPS (vice commercial products)</a:t>
+            </a:r>
+          </a:p>
+          <a:p>
+            <a:r>
+              <a:rPr lang="en-US" dirty="0"/>
+              <a:t>Early stages of development – open to suggested changes and/or enhancements</a:t>
+            </a:r>
+          </a:p>
+        </p:txBody>
+      </p:sp>
+    </p:spTree>
+    <p:extLst>
+      <p:ext uri="{BB962C8B-B14F-4D97-AF65-F5344CB8AC3E}">
+        <p14:creationId xmlns:p14="http://schemas.microsoft.com/office/powerpoint/2010/main" val="1189020359"/>
+      </p:ext>
+    </p:extLst>
+  </p:cSld>
+  <p:clrMapOvr>
+    <a:masterClrMapping/>
+  </p:clrMapOvr>
+</p:sld>
+</file>
+
+<file path=ppt/slides/slide3.xml><?xml version="1.0" encoding="utf-8"?>
+<p:sld xmlns:a="http://schemas.openxmlformats.org/drawingml/2006/main" xmlns:r="http://schemas.openxmlformats.org/officeDocument/2006/relationships" xmlns:p="http://schemas.openxmlformats.org/presentationml/2006/main">
+  <p:cSld>
+    <p:spTree>
+      <p:nvGrpSpPr>
+        <p:cNvPr id="1" name=""/>
+        <p:cNvGrpSpPr/>
+        <p:nvPr/>
+      </p:nvGrpSpPr>
+      <p:grpSpPr>
+        <a:xfrm>
+          <a:off x="0" y="0"/>
+          <a:ext cx="0" cy="0"/>
+          <a:chOff x="0" y="0"/>
+          <a:chExt cx="0" cy="0"/>
+        </a:xfrm>
+      </p:grpSpPr>
+      <p:sp>
+        <p:nvSpPr>
+          <p:cNvPr id="2" name="Title 1">
+            <a:extLst>
+              <a:ext uri="{FF2B5EF4-FFF2-40B4-BE49-F238E27FC236}">
                 <a16:creationId xmlns:a16="http://schemas.microsoft.com/office/drawing/2014/main" id="{556282A9-B8E3-2649-BB51-EBDEE6FEDA8A}"/>
               </a:ext>
             </a:extLst>
@@ -3787,7 +4285,7 @@
 </p:sld>
 </file>
 
-<file path=ppt/slides/slide3.xml><?xml version="1.0" encoding="utf-8"?>
+<file path=ppt/slides/slide4.xml><?xml version="1.0" encoding="utf-8"?>
 <p:sld xmlns:a="http://schemas.openxmlformats.org/drawingml/2006/main" xmlns:r="http://schemas.openxmlformats.org/officeDocument/2006/relationships" xmlns:p="http://schemas.openxmlformats.org/presentationml/2006/main">
   <p:cSld>
     <p:spTree>
@@ -3930,7 +4428,7 @@
 </p:sld>
 </file>
 
-<file path=ppt/slides/slide4.xml><?xml version="1.0" encoding="utf-8"?>
+<file path=ppt/slides/slide5.xml><?xml version="1.0" encoding="utf-8"?>
 <p:sld xmlns:a="http://schemas.openxmlformats.org/drawingml/2006/main" xmlns:r="http://schemas.openxmlformats.org/officeDocument/2006/relationships" xmlns:p="http://schemas.openxmlformats.org/presentationml/2006/main">
   <p:cSld>
     <p:spTree>
@@ -4127,7 +4625,7 @@
 </p:sld>
 </file>
 
-<file path=ppt/slides/slide5.xml><?xml version="1.0" encoding="utf-8"?>
+<file path=ppt/slides/slide6.xml><?xml version="1.0" encoding="utf-8"?>
 <p:sld xmlns:a="http://schemas.openxmlformats.org/drawingml/2006/main" xmlns:r="http://schemas.openxmlformats.org/officeDocument/2006/relationships" xmlns:p="http://schemas.openxmlformats.org/presentationml/2006/main">
   <p:cSld>
     <p:spTree>
@@ -4259,144 +4757,6 @@
 </p:sld>
 </file>
 
-<file path=ppt/slides/slide6.xml><?xml version="1.0" encoding="utf-8"?>
-<p:sld xmlns:a="http://schemas.openxmlformats.org/drawingml/2006/main" xmlns:r="http://schemas.openxmlformats.org/officeDocument/2006/relationships" xmlns:p="http://schemas.openxmlformats.org/presentationml/2006/main">
-  <p:cSld>
-    <p:spTree>
-      <p:nvGrpSpPr>
-        <p:cNvPr id="1" name=""/>
-        <p:cNvGrpSpPr/>
-        <p:nvPr/>
-      </p:nvGrpSpPr>
-      <p:grpSpPr>
-        <a:xfrm>
-          <a:off x="0" y="0"/>
-          <a:ext cx="0" cy="0"/>
-          <a:chOff x="0" y="0"/>
-          <a:chExt cx="0" cy="0"/>
-        </a:xfrm>
-      </p:grpSpPr>
-      <p:sp>
-        <p:nvSpPr>
-          <p:cNvPr id="2" name="Title 1">
-            <a:extLst>
-              <a:ext uri="{FF2B5EF4-FFF2-40B4-BE49-F238E27FC236}">
-                <a16:creationId xmlns:a16="http://schemas.microsoft.com/office/drawing/2014/main" id="{B770070D-93EF-DE43-8E6C-5D23199876FE}"/>
-              </a:ext>
-            </a:extLst>
-          </p:cNvPr>
-          <p:cNvSpPr>
-            <a:spLocks noGrp="1"/>
-          </p:cNvSpPr>
-          <p:nvPr>
-            <p:ph type="title"/>
-          </p:nvPr>
-        </p:nvSpPr>
-        <p:spPr/>
-        <p:txBody>
-          <a:bodyPr/>
-          <a:lstStyle/>
-          <a:p>
-            <a:r>
-              <a:rPr lang="en-US" dirty="0"/>
-              <a:t>State Change Listener</a:t>
-            </a:r>
-          </a:p>
-        </p:txBody>
-      </p:sp>
-      <p:sp>
-        <p:nvSpPr>
-          <p:cNvPr id="3" name="Content Placeholder 2">
-            <a:extLst>
-              <a:ext uri="{FF2B5EF4-FFF2-40B4-BE49-F238E27FC236}">
-                <a16:creationId xmlns:a16="http://schemas.microsoft.com/office/drawing/2014/main" id="{E006418D-0CE5-EE48-8F78-5BD5FB74980A}"/>
-              </a:ext>
-            </a:extLst>
-          </p:cNvPr>
-          <p:cNvSpPr>
-            <a:spLocks noGrp="1"/>
-          </p:cNvSpPr>
-          <p:nvPr>
-            <p:ph idx="1"/>
-          </p:nvPr>
-        </p:nvSpPr>
-        <p:spPr/>
-        <p:txBody>
-          <a:bodyPr/>
-          <a:lstStyle/>
-          <a:p>
-            <a:r>
-              <a:rPr lang="en-US" dirty="0"/>
-              <a:t>All state transitions are followed by notifying state change listeners</a:t>
-            </a:r>
-          </a:p>
-          <a:p>
-            <a:r>
-              <a:rPr lang="en-US" dirty="0"/>
-              <a:t>Examples</a:t>
-            </a:r>
-          </a:p>
-          <a:p>
-            <a:pPr lvl="1"/>
-            <a:r>
-              <a:rPr lang="en-US" dirty="0" err="1"/>
-              <a:t>SimpleStatChangeDumper</a:t>
-            </a:r>
-            <a:r>
-              <a:rPr lang="en-US" dirty="0"/>
-              <a:t> (debugging)</a:t>
-            </a:r>
-          </a:p>
-          <a:p>
-            <a:pPr lvl="1"/>
-            <a:r>
-              <a:rPr lang="en-US" dirty="0" err="1"/>
-              <a:t>SimpleStatsTally</a:t>
-            </a:r>
-            <a:r>
-              <a:rPr lang="en-US" dirty="0"/>
-              <a:t> (basic sample stats for tally state)</a:t>
-            </a:r>
-          </a:p>
-          <a:p>
-            <a:pPr lvl="1"/>
-            <a:r>
-              <a:rPr lang="en-US" dirty="0" err="1"/>
-              <a:t>SimpleStatsTimeVarying</a:t>
-            </a:r>
-            <a:r>
-              <a:rPr lang="en-US" dirty="0"/>
-              <a:t> (basic sample stats for time-varying state)</a:t>
-            </a:r>
-          </a:p>
-          <a:p>
-            <a:r>
-              <a:rPr lang="en-US" dirty="0"/>
-              <a:t>Advantage</a:t>
-            </a:r>
-          </a:p>
-          <a:p>
-            <a:pPr lvl="1"/>
-            <a:r>
-              <a:rPr lang="en-US" dirty="0"/>
-              <a:t>Decouples statistics from model dynamics</a:t>
-            </a:r>
-          </a:p>
-        </p:txBody>
-      </p:sp>
-    </p:spTree>
-    <p:extLst>
-      <p:ext uri="{BB962C8B-B14F-4D97-AF65-F5344CB8AC3E}">
-        <p14:creationId xmlns:p14="http://schemas.microsoft.com/office/powerpoint/2010/main" val="3064639077"/>
-      </p:ext>
-    </p:extLst>
-  </p:cSld>
-  <p:clrMapOvr>
-    <a:masterClrMapping/>
-  </p:clrMapOvr>
-</p:sld>
-</file>
-
 <file path=ppt/slides/slide7.xml><?xml version="1.0" encoding="utf-8"?>
 <p:sld xmlns:a="http://schemas.openxmlformats.org/drawingml/2006/main" xmlns:r="http://schemas.openxmlformats.org/officeDocument/2006/relationships" xmlns:p="http://schemas.openxmlformats.org/presentationml/2006/main">
   <p:cSld>
@@ -4419,7 +4779,7 @@
           <p:cNvPr id="2" name="Title 1">
             <a:extLst>
               <a:ext uri="{FF2B5EF4-FFF2-40B4-BE49-F238E27FC236}">
-                <a16:creationId xmlns:a16="http://schemas.microsoft.com/office/drawing/2014/main" id="{D3353BA0-CDE5-0C47-93B4-C9DF9D4828FF}"/>
+                <a16:creationId xmlns:a16="http://schemas.microsoft.com/office/drawing/2014/main" id="{76C567F7-E42A-BD41-8EF4-408B59BFD659}"/>
               </a:ext>
             </a:extLst>
           </p:cNvPr>
@@ -4437,7 +4797,7 @@
           <a:p>
             <a:r>
               <a:rPr lang="en-US" dirty="0"/>
-              <a:t>Random Variates</a:t>
+              <a:t>Advantages</a:t>
             </a:r>
           </a:p>
         </p:txBody>
@@ -4447,7 +4807,7 @@
           <p:cNvPr id="3" name="Content Placeholder 2">
             <a:extLst>
               <a:ext uri="{FF2B5EF4-FFF2-40B4-BE49-F238E27FC236}">
-                <a16:creationId xmlns:a16="http://schemas.microsoft.com/office/drawing/2014/main" id="{B588981D-2898-2140-8030-2A24776C70B0}"/>
+                <a16:creationId xmlns:a16="http://schemas.microsoft.com/office/drawing/2014/main" id="{B0E85270-F1C6-E042-8A7F-379895B0EB9A}"/>
               </a:ext>
             </a:extLst>
           </p:cNvPr>
@@ -4464,46 +4824,58 @@
           <a:lstStyle/>
           <a:p>
             <a:r>
-              <a:rPr lang="en-US" dirty="0" err="1"/>
-              <a:t>RandomVariates</a:t>
-            </a:r>
-            <a:r>
-              <a:rPr lang="en-US" dirty="0"/>
-              <a:t> all inherit from a base class</a:t>
-            </a:r>
-          </a:p>
-          <a:p>
-            <a:r>
-              <a:rPr lang="en-US" dirty="0"/>
-              <a:t>Single method generate() common to all</a:t>
-            </a:r>
-          </a:p>
-          <a:p>
-            <a:r>
-              <a:rPr lang="en-US" dirty="0"/>
-              <a:t>Advantage:</a:t>
-            </a:r>
-          </a:p>
-          <a:p>
-            <a:pPr lvl="1"/>
-            <a:r>
-              <a:rPr lang="en-US" dirty="0"/>
-              <a:t>Event Graph components are agnostic to particular distribution</a:t>
-            </a:r>
-          </a:p>
-          <a:p>
-            <a:pPr lvl="1"/>
-            <a:r>
-              <a:rPr lang="en-US" dirty="0"/>
-              <a:t>Distribution can be changed without modifying component’s code</a:t>
-            </a:r>
-          </a:p>
-        </p:txBody>
-      </p:sp>
+              <a:rPr lang="en-US" dirty="0"/>
+              <a:t>Components can be easily reused</a:t>
+            </a:r>
+          </a:p>
+          <a:p>
+            <a:r>
+              <a:rPr lang="en-US" dirty="0"/>
+              <a:t>Listener pattern is example of ”loose coupling”</a:t>
+            </a:r>
+          </a:p>
+          <a:p>
+            <a:r>
+              <a:rPr lang="en-US" dirty="0"/>
+              <a:t>E.g. The same Arrival Process can ‘drive’ two independent servers, guaranteeing identical arrivals</a:t>
+            </a:r>
+          </a:p>
+        </p:txBody>
+      </p:sp>
+      <p:pic>
+        <p:nvPicPr>
+          <p:cNvPr id="6" name="Picture 5">
+            <a:extLst>
+              <a:ext uri="{FF2B5EF4-FFF2-40B4-BE49-F238E27FC236}">
+                <a16:creationId xmlns:a16="http://schemas.microsoft.com/office/drawing/2014/main" id="{39741724-0AD7-904D-844D-2177A50F3E36}"/>
+              </a:ext>
+            </a:extLst>
+          </p:cNvPr>
+          <p:cNvPicPr>
+            <a:picLocks noChangeAspect="1"/>
+          </p:cNvPicPr>
+          <p:nvPr/>
+        </p:nvPicPr>
+        <p:blipFill>
+          <a:blip r:embed="rId2"/>
+          <a:stretch>
+            <a:fillRect/>
+          </a:stretch>
+        </p:blipFill>
+        <p:spPr>
+          <a:xfrm>
+            <a:off x="2474810" y="3905956"/>
+            <a:ext cx="4194380" cy="2664557"/>
+          </a:xfrm>
+          <a:prstGeom prst="rect">
+            <a:avLst/>
+          </a:prstGeom>
+        </p:spPr>
+      </p:pic>
     </p:spTree>
     <p:extLst>
       <p:ext uri="{BB962C8B-B14F-4D97-AF65-F5344CB8AC3E}">
-        <p14:creationId xmlns:p14="http://schemas.microsoft.com/office/powerpoint/2010/main" val="3792077352"/>
+        <p14:creationId xmlns:p14="http://schemas.microsoft.com/office/powerpoint/2010/main" val="664476005"/>
       </p:ext>
     </p:extLst>
   </p:cSld>
@@ -4535,7 +4907,7 @@
           <p:cNvPr id="2" name="Title 1">
             <a:extLst>
               <a:ext uri="{FF2B5EF4-FFF2-40B4-BE49-F238E27FC236}">
-                <a16:creationId xmlns:a16="http://schemas.microsoft.com/office/drawing/2014/main" id="{C70693A1-B65A-5B4B-AF15-9F3A0B0C2B9B}"/>
+                <a16:creationId xmlns:a16="http://schemas.microsoft.com/office/drawing/2014/main" id="{B770070D-93EF-DE43-8E6C-5D23199876FE}"/>
               </a:ext>
             </a:extLst>
           </p:cNvPr>
@@ -4552,10 +4924,9 @@
           <a:lstStyle/>
           <a:p>
             <a:r>
-              <a:rPr lang="en-US" dirty="0" err="1"/>
-              <a:t>SimPyKit</a:t>
-            </a:r>
-            <a:endParaRPr lang="en-US" dirty="0"/>
+              <a:rPr lang="en-US" dirty="0"/>
+              <a:t>State Change Listener</a:t>
+            </a:r>
           </a:p>
         </p:txBody>
       </p:sp>
@@ -4564,7 +4935,7 @@
           <p:cNvPr id="3" name="Content Placeholder 2">
             <a:extLst>
               <a:ext uri="{FF2B5EF4-FFF2-40B4-BE49-F238E27FC236}">
-                <a16:creationId xmlns:a16="http://schemas.microsoft.com/office/drawing/2014/main" id="{0BF062AB-125E-EC4A-94AC-DD4C2B1DB590}"/>
+                <a16:creationId xmlns:a16="http://schemas.microsoft.com/office/drawing/2014/main" id="{E006418D-0CE5-EE48-8F78-5BD5FB74980A}"/>
               </a:ext>
             </a:extLst>
           </p:cNvPr>
@@ -4582,48 +4953,66 @@
           <a:p>
             <a:r>
               <a:rPr lang="en-US" dirty="0"/>
-              <a:t>Open Source, Apache 2.0 license</a:t>
-            </a:r>
-          </a:p>
-          <a:p>
-            <a:r>
-              <a:rPr lang="en-US" dirty="0"/>
-              <a:t>Source code available on </a:t>
-            </a:r>
+              <a:t>All state transitions are followed by notifying state change listeners</a:t>
+            </a:r>
+          </a:p>
+          <a:p>
+            <a:r>
+              <a:rPr lang="en-US" dirty="0"/>
+              <a:t>Examples</a:t>
+            </a:r>
+          </a:p>
+          <a:p>
+            <a:pPr lvl="1"/>
             <a:r>
               <a:rPr lang="en-US" dirty="0" err="1"/>
-              <a:t>Github</a:t>
-            </a:r>
-            <a:endParaRPr lang="en-US" dirty="0"/>
-          </a:p>
-          <a:p>
-            <a:r>
-              <a:rPr lang="en-US" dirty="0"/>
-              <a:t>Binary distributions to be available on </a:t>
-            </a:r>
+              <a:t>SimpleStatChangeDumper</a:t>
+            </a:r>
+            <a:r>
+              <a:rPr lang="en-US" dirty="0"/>
+              <a:t> (debugging)</a:t>
+            </a:r>
+          </a:p>
+          <a:p>
+            <a:pPr lvl="1"/>
             <a:r>
               <a:rPr lang="en-US" dirty="0" err="1"/>
-              <a:t>PyPi</a:t>
-            </a:r>
-            <a:endParaRPr lang="en-US" dirty="0"/>
+              <a:t>SimpleStatsTally</a:t>
+            </a:r>
+            <a:r>
+              <a:rPr lang="en-US" dirty="0"/>
+              <a:t> (basic sample stats for tally state)</a:t>
+            </a:r>
           </a:p>
           <a:p>
             <a:pPr lvl="1"/>
             <a:r>
-              <a:rPr lang="en-US" dirty="0"/>
-              <a:t>Currently on </a:t>
-            </a:r>
-            <a:r>
               <a:rPr lang="en-US" dirty="0" err="1"/>
-              <a:t>TestPyPI</a:t>
-            </a:r>
-            <a:endParaRPr lang="en-US" dirty="0"/>
+              <a:t>SimpleStatsTimeVarying</a:t>
+            </a:r>
+            <a:r>
+              <a:rPr lang="en-US" dirty="0"/>
+              <a:t> (basic sample stats for time-varying state)</a:t>
+            </a:r>
+          </a:p>
+          <a:p>
+            <a:r>
+              <a:rPr lang="en-US" dirty="0"/>
+              <a:t>Advantage</a:t>
+            </a:r>
           </a:p>
           <a:p>
             <a:pPr lvl="1"/>
             <a:r>
               <a:rPr lang="en-US" dirty="0"/>
-              <a:t>Very small (binary distribution: 7KB)</a:t>
+              <a:t>Decouples statistics from model dynamics</a:t>
+            </a:r>
+          </a:p>
+          <a:p>
+            <a:pPr lvl="1"/>
+            <a:r>
+              <a:rPr lang="en-US" dirty="0"/>
+              <a:t>Every measure a function of state trajectories</a:t>
             </a:r>
           </a:p>
         </p:txBody>
@@ -4631,7 +5020,7 @@
     </p:spTree>
     <p:extLst>
       <p:ext uri="{BB962C8B-B14F-4D97-AF65-F5344CB8AC3E}">
-        <p14:creationId xmlns:p14="http://schemas.microsoft.com/office/powerpoint/2010/main" val="1963147416"/>
+        <p14:creationId xmlns:p14="http://schemas.microsoft.com/office/powerpoint/2010/main" val="3064639077"/>
       </p:ext>
     </p:extLst>
   </p:cSld>
@@ -4663,7 +5052,7 @@
           <p:cNvPr id="2" name="Title 1">
             <a:extLst>
               <a:ext uri="{FF2B5EF4-FFF2-40B4-BE49-F238E27FC236}">
-                <a16:creationId xmlns:a16="http://schemas.microsoft.com/office/drawing/2014/main" id="{3ADDC40B-4611-C84D-83EF-F7A84F36B970}"/>
+                <a16:creationId xmlns:a16="http://schemas.microsoft.com/office/drawing/2014/main" id="{D3353BA0-CDE5-0C47-93B4-C9DF9D4828FF}"/>
               </a:ext>
             </a:extLst>
           </p:cNvPr>
@@ -4681,45 +5070,73 @@
           <a:p>
             <a:r>
               <a:rPr lang="en-US" dirty="0"/>
-              <a:t>Structure</a:t>
-            </a:r>
-          </a:p>
-        </p:txBody>
-      </p:sp>
-      <p:pic>
-        <p:nvPicPr>
-          <p:cNvPr id="4" name="Picture 3">
+              <a:t>Random Variates</a:t>
+            </a:r>
+          </a:p>
+        </p:txBody>
+      </p:sp>
+      <p:sp>
+        <p:nvSpPr>
+          <p:cNvPr id="3" name="Content Placeholder 2">
             <a:extLst>
               <a:ext uri="{FF2B5EF4-FFF2-40B4-BE49-F238E27FC236}">
-                <a16:creationId xmlns:a16="http://schemas.microsoft.com/office/drawing/2014/main" id="{1FAEE10C-C6E1-3543-81A8-236BA6B419E7}"/>
+                <a16:creationId xmlns:a16="http://schemas.microsoft.com/office/drawing/2014/main" id="{B588981D-2898-2140-8030-2A24776C70B0}"/>
               </a:ext>
             </a:extLst>
           </p:cNvPr>
-          <p:cNvPicPr>
-            <a:picLocks noChangeAspect="1"/>
-          </p:cNvPicPr>
-          <p:nvPr/>
-        </p:nvPicPr>
-        <p:blipFill>
-          <a:blip r:embed="rId2"/>
-          <a:stretch>
-            <a:fillRect/>
-          </a:stretch>
-        </p:blipFill>
-        <p:spPr>
-          <a:xfrm>
-            <a:off x="3004820" y="1825625"/>
-            <a:ext cx="3898900" cy="3797300"/>
-          </a:xfrm>
-          <a:prstGeom prst="rect">
-            <a:avLst/>
-          </a:prstGeom>
-        </p:spPr>
-      </p:pic>
+          <p:cNvSpPr>
+            <a:spLocks noGrp="1"/>
+          </p:cNvSpPr>
+          <p:nvPr>
+            <p:ph idx="1"/>
+          </p:nvPr>
+        </p:nvSpPr>
+        <p:spPr/>
+        <p:txBody>
+          <a:bodyPr/>
+          <a:lstStyle/>
+          <a:p>
+            <a:r>
+              <a:rPr lang="en-US" dirty="0" err="1"/>
+              <a:t>RandomVariates</a:t>
+            </a:r>
+            <a:r>
+              <a:rPr lang="en-US" dirty="0"/>
+              <a:t> all inherit from a base class</a:t>
+            </a:r>
+          </a:p>
+          <a:p>
+            <a:r>
+              <a:rPr lang="en-US" dirty="0"/>
+              <a:t>Single method generate() common to all</a:t>
+            </a:r>
+          </a:p>
+          <a:p>
+            <a:r>
+              <a:rPr lang="en-US" dirty="0"/>
+              <a:t>Advantage:</a:t>
+            </a:r>
+          </a:p>
+          <a:p>
+            <a:pPr lvl="1"/>
+            <a:r>
+              <a:rPr lang="en-US" dirty="0"/>
+              <a:t>Event Graph components are agnostic to particular distribution</a:t>
+            </a:r>
+          </a:p>
+          <a:p>
+            <a:pPr lvl="1"/>
+            <a:r>
+              <a:rPr lang="en-US" dirty="0"/>
+              <a:t>Distribution can be changed without modifying component’s code</a:t>
+            </a:r>
+          </a:p>
+        </p:txBody>
+      </p:sp>
     </p:spTree>
     <p:extLst>
       <p:ext uri="{BB962C8B-B14F-4D97-AF65-F5344CB8AC3E}">
-        <p14:creationId xmlns:p14="http://schemas.microsoft.com/office/powerpoint/2010/main" val="2334948678"/>
+        <p14:creationId xmlns:p14="http://schemas.microsoft.com/office/powerpoint/2010/main" val="3792077352"/>
       </p:ext>
     </p:extLst>
   </p:cSld>
